--- a/프론트엔드기초(PPT)/웹프로그래밍 2강_프로그램설치.pptx
+++ b/프론트엔드기초(PPT)/웹프로그래밍 2강_프로그램설치.pptx
@@ -112,6 +112,22 @@
       </a:defRPr>
     </a:lvl9pPr>
   </p:defaultTextStyle>
+  <p:extLst>
+    <p:ext uri="{EFAFB233-063F-42B5-8137-9DF3F51BA10A}">
+      <p15:sldGuideLst xmlns:p15="http://schemas.microsoft.com/office/powerpoint/2012/main">
+        <p15:guide id="1" orient="horz" pos="2160">
+          <p15:clr>
+            <a:srgbClr val="A4A3A4"/>
+          </p15:clr>
+        </p15:guide>
+        <p15:guide id="2" pos="2880">
+          <p15:clr>
+            <a:srgbClr val="A4A3A4"/>
+          </p15:clr>
+        </p15:guide>
+      </p15:sldGuideLst>
+    </p:ext>
+  </p:extLst>
 </p:presentation>
 </file>
 
@@ -153,10 +169,9 @@
           <a:lstStyle/>
           <a:p>
             <a:r>
-              <a:rPr lang="ko-KR" altLang="en-US" smtClean="0"/>
+              <a:rPr lang="ko-KR" altLang="en-US"/>
               <a:t>마스터 제목 스타일 편집</a:t>
             </a:r>
-            <a:endParaRPr lang="ko-KR" altLang="en-US"/>
           </a:p>
         </p:txBody>
       </p:sp>
@@ -272,10 +287,9 @@
           </a:lstStyle>
           <a:p>
             <a:r>
-              <a:rPr lang="ko-KR" altLang="en-US" smtClean="0"/>
+              <a:rPr lang="ko-KR" altLang="en-US"/>
               <a:t>마스터 부제목 스타일 편집</a:t>
             </a:r>
-            <a:endParaRPr lang="ko-KR" altLang="en-US"/>
           </a:p>
         </p:txBody>
       </p:sp>
@@ -296,7 +310,7 @@
           <a:p>
             <a:fld id="{FB30EDBD-1C2D-4C1E-B459-B60219FAB484}" type="datetimeFigureOut">
               <a:rPr lang="ko-KR" altLang="en-US" smtClean="0"/>
-              <a:t>2020-09-07</a:t>
+              <a:t>2020-11-09</a:t>
             </a:fld>
             <a:endParaRPr lang="ko-KR" altLang="en-US"/>
           </a:p>
@@ -385,10 +399,9 @@
           <a:lstStyle/>
           <a:p>
             <a:r>
-              <a:rPr lang="ko-KR" altLang="en-US" smtClean="0"/>
+              <a:rPr lang="ko-KR" altLang="en-US"/>
               <a:t>마스터 제목 스타일 편집</a:t>
             </a:r>
-            <a:endParaRPr lang="ko-KR" altLang="en-US"/>
           </a:p>
         </p:txBody>
       </p:sp>
@@ -409,38 +422,37 @@
           <a:p>
             <a:pPr lvl="0"/>
             <a:r>
-              <a:rPr lang="ko-KR" altLang="en-US" smtClean="0"/>
+              <a:rPr lang="ko-KR" altLang="en-US"/>
               <a:t>마스터 텍스트 스타일을 편집합니다</a:t>
             </a:r>
           </a:p>
           <a:p>
             <a:pPr lvl="1"/>
             <a:r>
-              <a:rPr lang="ko-KR" altLang="en-US" smtClean="0"/>
+              <a:rPr lang="ko-KR" altLang="en-US"/>
               <a:t>둘째 수준</a:t>
             </a:r>
           </a:p>
           <a:p>
             <a:pPr lvl="2"/>
             <a:r>
-              <a:rPr lang="ko-KR" altLang="en-US" smtClean="0"/>
+              <a:rPr lang="ko-KR" altLang="en-US"/>
               <a:t>셋째 수준</a:t>
             </a:r>
           </a:p>
           <a:p>
             <a:pPr lvl="3"/>
             <a:r>
-              <a:rPr lang="ko-KR" altLang="en-US" smtClean="0"/>
+              <a:rPr lang="ko-KR" altLang="en-US"/>
               <a:t>넷째 수준</a:t>
             </a:r>
           </a:p>
           <a:p>
             <a:pPr lvl="4"/>
             <a:r>
-              <a:rPr lang="ko-KR" altLang="en-US" smtClean="0"/>
+              <a:rPr lang="ko-KR" altLang="en-US"/>
               <a:t>다섯째 수준</a:t>
             </a:r>
-            <a:endParaRPr lang="ko-KR" altLang="en-US"/>
           </a:p>
         </p:txBody>
       </p:sp>
@@ -461,7 +473,7 @@
           <a:p>
             <a:fld id="{FB30EDBD-1C2D-4C1E-B459-B60219FAB484}" type="datetimeFigureOut">
               <a:rPr lang="ko-KR" altLang="en-US" smtClean="0"/>
-              <a:t>2020-09-07</a:t>
+              <a:t>2020-11-09</a:t>
             </a:fld>
             <a:endParaRPr lang="ko-KR" altLang="en-US"/>
           </a:p>
@@ -555,10 +567,9 @@
           <a:lstStyle/>
           <a:p>
             <a:r>
-              <a:rPr lang="ko-KR" altLang="en-US" smtClean="0"/>
+              <a:rPr lang="ko-KR" altLang="en-US"/>
               <a:t>마스터 제목 스타일 편집</a:t>
             </a:r>
-            <a:endParaRPr lang="ko-KR" altLang="en-US"/>
           </a:p>
         </p:txBody>
       </p:sp>
@@ -584,38 +595,37 @@
           <a:p>
             <a:pPr lvl="0"/>
             <a:r>
-              <a:rPr lang="ko-KR" altLang="en-US" smtClean="0"/>
+              <a:rPr lang="ko-KR" altLang="en-US"/>
               <a:t>마스터 텍스트 스타일을 편집합니다</a:t>
             </a:r>
           </a:p>
           <a:p>
             <a:pPr lvl="1"/>
             <a:r>
-              <a:rPr lang="ko-KR" altLang="en-US" smtClean="0"/>
+              <a:rPr lang="ko-KR" altLang="en-US"/>
               <a:t>둘째 수준</a:t>
             </a:r>
           </a:p>
           <a:p>
             <a:pPr lvl="2"/>
             <a:r>
-              <a:rPr lang="ko-KR" altLang="en-US" smtClean="0"/>
+              <a:rPr lang="ko-KR" altLang="en-US"/>
               <a:t>셋째 수준</a:t>
             </a:r>
           </a:p>
           <a:p>
             <a:pPr lvl="3"/>
             <a:r>
-              <a:rPr lang="ko-KR" altLang="en-US" smtClean="0"/>
+              <a:rPr lang="ko-KR" altLang="en-US"/>
               <a:t>넷째 수준</a:t>
             </a:r>
           </a:p>
           <a:p>
             <a:pPr lvl="4"/>
             <a:r>
-              <a:rPr lang="ko-KR" altLang="en-US" smtClean="0"/>
+              <a:rPr lang="ko-KR" altLang="en-US"/>
               <a:t>다섯째 수준</a:t>
             </a:r>
-            <a:endParaRPr lang="ko-KR" altLang="en-US"/>
           </a:p>
         </p:txBody>
       </p:sp>
@@ -636,7 +646,7 @@
           <a:p>
             <a:fld id="{FB30EDBD-1C2D-4C1E-B459-B60219FAB484}" type="datetimeFigureOut">
               <a:rPr lang="ko-KR" altLang="en-US" smtClean="0"/>
-              <a:t>2020-09-07</a:t>
+              <a:t>2020-11-09</a:t>
             </a:fld>
             <a:endParaRPr lang="ko-KR" altLang="en-US"/>
           </a:p>
@@ -725,10 +735,9 @@
           <a:lstStyle/>
           <a:p>
             <a:r>
-              <a:rPr lang="ko-KR" altLang="en-US" smtClean="0"/>
+              <a:rPr lang="ko-KR" altLang="en-US"/>
               <a:t>마스터 제목 스타일 편집</a:t>
             </a:r>
-            <a:endParaRPr lang="ko-KR" altLang="en-US"/>
           </a:p>
         </p:txBody>
       </p:sp>
@@ -749,38 +758,37 @@
           <a:p>
             <a:pPr lvl="0"/>
             <a:r>
-              <a:rPr lang="ko-KR" altLang="en-US" smtClean="0"/>
+              <a:rPr lang="ko-KR" altLang="en-US"/>
               <a:t>마스터 텍스트 스타일을 편집합니다</a:t>
             </a:r>
           </a:p>
           <a:p>
             <a:pPr lvl="1"/>
             <a:r>
-              <a:rPr lang="ko-KR" altLang="en-US" smtClean="0"/>
+              <a:rPr lang="ko-KR" altLang="en-US"/>
               <a:t>둘째 수준</a:t>
             </a:r>
           </a:p>
           <a:p>
             <a:pPr lvl="2"/>
             <a:r>
-              <a:rPr lang="ko-KR" altLang="en-US" smtClean="0"/>
+              <a:rPr lang="ko-KR" altLang="en-US"/>
               <a:t>셋째 수준</a:t>
             </a:r>
           </a:p>
           <a:p>
             <a:pPr lvl="3"/>
             <a:r>
-              <a:rPr lang="ko-KR" altLang="en-US" smtClean="0"/>
+              <a:rPr lang="ko-KR" altLang="en-US"/>
               <a:t>넷째 수준</a:t>
             </a:r>
           </a:p>
           <a:p>
             <a:pPr lvl="4"/>
             <a:r>
-              <a:rPr lang="ko-KR" altLang="en-US" smtClean="0"/>
+              <a:rPr lang="ko-KR" altLang="en-US"/>
               <a:t>다섯째 수준</a:t>
             </a:r>
-            <a:endParaRPr lang="ko-KR" altLang="en-US"/>
           </a:p>
         </p:txBody>
       </p:sp>
@@ -801,7 +809,7 @@
           <a:p>
             <a:fld id="{FB30EDBD-1C2D-4C1E-B459-B60219FAB484}" type="datetimeFigureOut">
               <a:rPr lang="ko-KR" altLang="en-US" smtClean="0"/>
-              <a:t>2020-09-07</a:t>
+              <a:t>2020-11-09</a:t>
             </a:fld>
             <a:endParaRPr lang="ko-KR" altLang="en-US"/>
           </a:p>
@@ -899,10 +907,9 @@
           </a:lstStyle>
           <a:p>
             <a:r>
-              <a:rPr lang="ko-KR" altLang="en-US" smtClean="0"/>
+              <a:rPr lang="ko-KR" altLang="en-US"/>
               <a:t>마스터 제목 스타일 편집</a:t>
             </a:r>
-            <a:endParaRPr lang="ko-KR" altLang="en-US"/>
           </a:p>
         </p:txBody>
       </p:sp>
@@ -1019,7 +1026,7 @@
           <a:p>
             <a:pPr lvl="0"/>
             <a:r>
-              <a:rPr lang="ko-KR" altLang="en-US" smtClean="0"/>
+              <a:rPr lang="ko-KR" altLang="en-US"/>
               <a:t>마스터 텍스트 스타일을 편집합니다</a:t>
             </a:r>
           </a:p>
@@ -1042,7 +1049,7 @@
           <a:p>
             <a:fld id="{FB30EDBD-1C2D-4C1E-B459-B60219FAB484}" type="datetimeFigureOut">
               <a:rPr lang="ko-KR" altLang="en-US" smtClean="0"/>
-              <a:t>2020-09-07</a:t>
+              <a:t>2020-11-09</a:t>
             </a:fld>
             <a:endParaRPr lang="ko-KR" altLang="en-US"/>
           </a:p>
@@ -1131,10 +1138,9 @@
           <a:lstStyle/>
           <a:p>
             <a:r>
-              <a:rPr lang="ko-KR" altLang="en-US" smtClean="0"/>
+              <a:rPr lang="ko-KR" altLang="en-US"/>
               <a:t>마스터 제목 스타일 편집</a:t>
             </a:r>
-            <a:endParaRPr lang="ko-KR" altLang="en-US"/>
           </a:p>
         </p:txBody>
       </p:sp>
@@ -1188,38 +1194,37 @@
           <a:p>
             <a:pPr lvl="0"/>
             <a:r>
-              <a:rPr lang="ko-KR" altLang="en-US" smtClean="0"/>
+              <a:rPr lang="ko-KR" altLang="en-US"/>
               <a:t>마스터 텍스트 스타일을 편집합니다</a:t>
             </a:r>
           </a:p>
           <a:p>
             <a:pPr lvl="1"/>
             <a:r>
-              <a:rPr lang="ko-KR" altLang="en-US" smtClean="0"/>
+              <a:rPr lang="ko-KR" altLang="en-US"/>
               <a:t>둘째 수준</a:t>
             </a:r>
           </a:p>
           <a:p>
             <a:pPr lvl="2"/>
             <a:r>
-              <a:rPr lang="ko-KR" altLang="en-US" smtClean="0"/>
+              <a:rPr lang="ko-KR" altLang="en-US"/>
               <a:t>셋째 수준</a:t>
             </a:r>
           </a:p>
           <a:p>
             <a:pPr lvl="3"/>
             <a:r>
-              <a:rPr lang="ko-KR" altLang="en-US" smtClean="0"/>
+              <a:rPr lang="ko-KR" altLang="en-US"/>
               <a:t>넷째 수준</a:t>
             </a:r>
           </a:p>
           <a:p>
             <a:pPr lvl="4"/>
             <a:r>
-              <a:rPr lang="ko-KR" altLang="en-US" smtClean="0"/>
+              <a:rPr lang="ko-KR" altLang="en-US"/>
               <a:t>다섯째 수준</a:t>
             </a:r>
-            <a:endParaRPr lang="ko-KR" altLang="en-US"/>
           </a:p>
         </p:txBody>
       </p:sp>
@@ -1273,38 +1278,37 @@
           <a:p>
             <a:pPr lvl="0"/>
             <a:r>
-              <a:rPr lang="ko-KR" altLang="en-US" smtClean="0"/>
+              <a:rPr lang="ko-KR" altLang="en-US"/>
               <a:t>마스터 텍스트 스타일을 편집합니다</a:t>
             </a:r>
           </a:p>
           <a:p>
             <a:pPr lvl="1"/>
             <a:r>
-              <a:rPr lang="ko-KR" altLang="en-US" smtClean="0"/>
+              <a:rPr lang="ko-KR" altLang="en-US"/>
               <a:t>둘째 수준</a:t>
             </a:r>
           </a:p>
           <a:p>
             <a:pPr lvl="2"/>
             <a:r>
-              <a:rPr lang="ko-KR" altLang="en-US" smtClean="0"/>
+              <a:rPr lang="ko-KR" altLang="en-US"/>
               <a:t>셋째 수준</a:t>
             </a:r>
           </a:p>
           <a:p>
             <a:pPr lvl="3"/>
             <a:r>
-              <a:rPr lang="ko-KR" altLang="en-US" smtClean="0"/>
+              <a:rPr lang="ko-KR" altLang="en-US"/>
               <a:t>넷째 수준</a:t>
             </a:r>
           </a:p>
           <a:p>
             <a:pPr lvl="4"/>
             <a:r>
-              <a:rPr lang="ko-KR" altLang="en-US" smtClean="0"/>
+              <a:rPr lang="ko-KR" altLang="en-US"/>
               <a:t>다섯째 수준</a:t>
             </a:r>
-            <a:endParaRPr lang="ko-KR" altLang="en-US"/>
           </a:p>
         </p:txBody>
       </p:sp>
@@ -1325,7 +1329,7 @@
           <a:p>
             <a:fld id="{FB30EDBD-1C2D-4C1E-B459-B60219FAB484}" type="datetimeFigureOut">
               <a:rPr lang="ko-KR" altLang="en-US" smtClean="0"/>
-              <a:t>2020-09-07</a:t>
+              <a:t>2020-11-09</a:t>
             </a:fld>
             <a:endParaRPr lang="ko-KR" altLang="en-US"/>
           </a:p>
@@ -1418,10 +1422,9 @@
           </a:lstStyle>
           <a:p>
             <a:r>
-              <a:rPr lang="ko-KR" altLang="en-US" smtClean="0"/>
+              <a:rPr lang="ko-KR" altLang="en-US"/>
               <a:t>마스터 제목 스타일 편집</a:t>
             </a:r>
-            <a:endParaRPr lang="ko-KR" altLang="en-US"/>
           </a:p>
         </p:txBody>
       </p:sp>
@@ -1484,7 +1487,7 @@
           <a:p>
             <a:pPr lvl="0"/>
             <a:r>
-              <a:rPr lang="ko-KR" altLang="en-US" smtClean="0"/>
+              <a:rPr lang="ko-KR" altLang="en-US"/>
               <a:t>마스터 텍스트 스타일을 편집합니다</a:t>
             </a:r>
           </a:p>
@@ -1540,38 +1543,37 @@
           <a:p>
             <a:pPr lvl="0"/>
             <a:r>
-              <a:rPr lang="ko-KR" altLang="en-US" smtClean="0"/>
+              <a:rPr lang="ko-KR" altLang="en-US"/>
               <a:t>마스터 텍스트 스타일을 편집합니다</a:t>
             </a:r>
           </a:p>
           <a:p>
             <a:pPr lvl="1"/>
             <a:r>
-              <a:rPr lang="ko-KR" altLang="en-US" smtClean="0"/>
+              <a:rPr lang="ko-KR" altLang="en-US"/>
               <a:t>둘째 수준</a:t>
             </a:r>
           </a:p>
           <a:p>
             <a:pPr lvl="2"/>
             <a:r>
-              <a:rPr lang="ko-KR" altLang="en-US" smtClean="0"/>
+              <a:rPr lang="ko-KR" altLang="en-US"/>
               <a:t>셋째 수준</a:t>
             </a:r>
           </a:p>
           <a:p>
             <a:pPr lvl="3"/>
             <a:r>
-              <a:rPr lang="ko-KR" altLang="en-US" smtClean="0"/>
+              <a:rPr lang="ko-KR" altLang="en-US"/>
               <a:t>넷째 수준</a:t>
             </a:r>
           </a:p>
           <a:p>
             <a:pPr lvl="4"/>
             <a:r>
-              <a:rPr lang="ko-KR" altLang="en-US" smtClean="0"/>
+              <a:rPr lang="ko-KR" altLang="en-US"/>
               <a:t>다섯째 수준</a:t>
             </a:r>
-            <a:endParaRPr lang="ko-KR" altLang="en-US"/>
           </a:p>
         </p:txBody>
       </p:sp>
@@ -1634,7 +1636,7 @@
           <a:p>
             <a:pPr lvl="0"/>
             <a:r>
-              <a:rPr lang="ko-KR" altLang="en-US" smtClean="0"/>
+              <a:rPr lang="ko-KR" altLang="en-US"/>
               <a:t>마스터 텍스트 스타일을 편집합니다</a:t>
             </a:r>
           </a:p>
@@ -1690,38 +1692,37 @@
           <a:p>
             <a:pPr lvl="0"/>
             <a:r>
-              <a:rPr lang="ko-KR" altLang="en-US" smtClean="0"/>
+              <a:rPr lang="ko-KR" altLang="en-US"/>
               <a:t>마스터 텍스트 스타일을 편집합니다</a:t>
             </a:r>
           </a:p>
           <a:p>
             <a:pPr lvl="1"/>
             <a:r>
-              <a:rPr lang="ko-KR" altLang="en-US" smtClean="0"/>
+              <a:rPr lang="ko-KR" altLang="en-US"/>
               <a:t>둘째 수준</a:t>
             </a:r>
           </a:p>
           <a:p>
             <a:pPr lvl="2"/>
             <a:r>
-              <a:rPr lang="ko-KR" altLang="en-US" smtClean="0"/>
+              <a:rPr lang="ko-KR" altLang="en-US"/>
               <a:t>셋째 수준</a:t>
             </a:r>
           </a:p>
           <a:p>
             <a:pPr lvl="3"/>
             <a:r>
-              <a:rPr lang="ko-KR" altLang="en-US" smtClean="0"/>
+              <a:rPr lang="ko-KR" altLang="en-US"/>
               <a:t>넷째 수준</a:t>
             </a:r>
           </a:p>
           <a:p>
             <a:pPr lvl="4"/>
             <a:r>
-              <a:rPr lang="ko-KR" altLang="en-US" smtClean="0"/>
+              <a:rPr lang="ko-KR" altLang="en-US"/>
               <a:t>다섯째 수준</a:t>
             </a:r>
-            <a:endParaRPr lang="ko-KR" altLang="en-US"/>
           </a:p>
         </p:txBody>
       </p:sp>
@@ -1742,7 +1743,7 @@
           <a:p>
             <a:fld id="{FB30EDBD-1C2D-4C1E-B459-B60219FAB484}" type="datetimeFigureOut">
               <a:rPr lang="ko-KR" altLang="en-US" smtClean="0"/>
-              <a:t>2020-09-07</a:t>
+              <a:t>2020-11-09</a:t>
             </a:fld>
             <a:endParaRPr lang="ko-KR" altLang="en-US"/>
           </a:p>
@@ -1831,10 +1832,9 @@
           <a:lstStyle/>
           <a:p>
             <a:r>
-              <a:rPr lang="ko-KR" altLang="en-US" smtClean="0"/>
+              <a:rPr lang="ko-KR" altLang="en-US"/>
               <a:t>마스터 제목 스타일 편집</a:t>
             </a:r>
-            <a:endParaRPr lang="ko-KR" altLang="en-US"/>
           </a:p>
         </p:txBody>
       </p:sp>
@@ -1855,7 +1855,7 @@
           <a:p>
             <a:fld id="{FB30EDBD-1C2D-4C1E-B459-B60219FAB484}" type="datetimeFigureOut">
               <a:rPr lang="ko-KR" altLang="en-US" smtClean="0"/>
-              <a:t>2020-09-07</a:t>
+              <a:t>2020-11-09</a:t>
             </a:fld>
             <a:endParaRPr lang="ko-KR" altLang="en-US"/>
           </a:p>
@@ -1945,7 +1945,7 @@
           <a:p>
             <a:fld id="{FB30EDBD-1C2D-4C1E-B459-B60219FAB484}" type="datetimeFigureOut">
               <a:rPr lang="ko-KR" altLang="en-US" smtClean="0"/>
-              <a:t>2020-09-07</a:t>
+              <a:t>2020-11-09</a:t>
             </a:fld>
             <a:endParaRPr lang="ko-KR" altLang="en-US"/>
           </a:p>
@@ -2043,10 +2043,9 @@
           </a:lstStyle>
           <a:p>
             <a:r>
-              <a:rPr lang="ko-KR" altLang="en-US" smtClean="0"/>
+              <a:rPr lang="ko-KR" altLang="en-US"/>
               <a:t>마스터 제목 스타일 편집</a:t>
             </a:r>
-            <a:endParaRPr lang="ko-KR" altLang="en-US"/>
           </a:p>
         </p:txBody>
       </p:sp>
@@ -2100,38 +2099,37 @@
           <a:p>
             <a:pPr lvl="0"/>
             <a:r>
-              <a:rPr lang="ko-KR" altLang="en-US" smtClean="0"/>
+              <a:rPr lang="ko-KR" altLang="en-US"/>
               <a:t>마스터 텍스트 스타일을 편집합니다</a:t>
             </a:r>
           </a:p>
           <a:p>
             <a:pPr lvl="1"/>
             <a:r>
-              <a:rPr lang="ko-KR" altLang="en-US" smtClean="0"/>
+              <a:rPr lang="ko-KR" altLang="en-US"/>
               <a:t>둘째 수준</a:t>
             </a:r>
           </a:p>
           <a:p>
             <a:pPr lvl="2"/>
             <a:r>
-              <a:rPr lang="ko-KR" altLang="en-US" smtClean="0"/>
+              <a:rPr lang="ko-KR" altLang="en-US"/>
               <a:t>셋째 수준</a:t>
             </a:r>
           </a:p>
           <a:p>
             <a:pPr lvl="3"/>
             <a:r>
-              <a:rPr lang="ko-KR" altLang="en-US" smtClean="0"/>
+              <a:rPr lang="ko-KR" altLang="en-US"/>
               <a:t>넷째 수준</a:t>
             </a:r>
           </a:p>
           <a:p>
             <a:pPr lvl="4"/>
             <a:r>
-              <a:rPr lang="ko-KR" altLang="en-US" smtClean="0"/>
+              <a:rPr lang="ko-KR" altLang="en-US"/>
               <a:t>다섯째 수준</a:t>
             </a:r>
-            <a:endParaRPr lang="ko-KR" altLang="en-US"/>
           </a:p>
         </p:txBody>
       </p:sp>
@@ -2194,7 +2192,7 @@
           <a:p>
             <a:pPr lvl="0"/>
             <a:r>
-              <a:rPr lang="ko-KR" altLang="en-US" smtClean="0"/>
+              <a:rPr lang="ko-KR" altLang="en-US"/>
               <a:t>마스터 텍스트 스타일을 편집합니다</a:t>
             </a:r>
           </a:p>
@@ -2217,7 +2215,7 @@
           <a:p>
             <a:fld id="{FB30EDBD-1C2D-4C1E-B459-B60219FAB484}" type="datetimeFigureOut">
               <a:rPr lang="ko-KR" altLang="en-US" smtClean="0"/>
-              <a:t>2020-09-07</a:t>
+              <a:t>2020-11-09</a:t>
             </a:fld>
             <a:endParaRPr lang="ko-KR" altLang="en-US"/>
           </a:p>
@@ -2315,10 +2313,9 @@
           </a:lstStyle>
           <a:p>
             <a:r>
-              <a:rPr lang="ko-KR" altLang="en-US" smtClean="0"/>
+              <a:rPr lang="ko-KR" altLang="en-US"/>
               <a:t>마스터 제목 스타일 편집</a:t>
             </a:r>
-            <a:endParaRPr lang="ko-KR" altLang="en-US"/>
           </a:p>
         </p:txBody>
       </p:sp>
@@ -2442,7 +2439,7 @@
           <a:p>
             <a:pPr lvl="0"/>
             <a:r>
-              <a:rPr lang="ko-KR" altLang="en-US" smtClean="0"/>
+              <a:rPr lang="ko-KR" altLang="en-US"/>
               <a:t>마스터 텍스트 스타일을 편집합니다</a:t>
             </a:r>
           </a:p>
@@ -2465,7 +2462,7 @@
           <a:p>
             <a:fld id="{FB30EDBD-1C2D-4C1E-B459-B60219FAB484}" type="datetimeFigureOut">
               <a:rPr lang="ko-KR" altLang="en-US" smtClean="0"/>
-              <a:t>2020-09-07</a:t>
+              <a:t>2020-11-09</a:t>
             </a:fld>
             <a:endParaRPr lang="ko-KR" altLang="en-US"/>
           </a:p>
@@ -2569,10 +2566,9 @@
           <a:lstStyle/>
           <a:p>
             <a:r>
-              <a:rPr lang="ko-KR" altLang="en-US" smtClean="0"/>
+              <a:rPr lang="ko-KR" altLang="en-US"/>
               <a:t>마스터 제목 스타일 편집</a:t>
             </a:r>
-            <a:endParaRPr lang="ko-KR" altLang="en-US"/>
           </a:p>
         </p:txBody>
       </p:sp>
@@ -2603,38 +2599,37 @@
           <a:p>
             <a:pPr lvl="0"/>
             <a:r>
-              <a:rPr lang="ko-KR" altLang="en-US" smtClean="0"/>
+              <a:rPr lang="ko-KR" altLang="en-US"/>
               <a:t>마스터 텍스트 스타일을 편집합니다</a:t>
             </a:r>
           </a:p>
           <a:p>
             <a:pPr lvl="1"/>
             <a:r>
-              <a:rPr lang="ko-KR" altLang="en-US" smtClean="0"/>
+              <a:rPr lang="ko-KR" altLang="en-US"/>
               <a:t>둘째 수준</a:t>
             </a:r>
           </a:p>
           <a:p>
             <a:pPr lvl="2"/>
             <a:r>
-              <a:rPr lang="ko-KR" altLang="en-US" smtClean="0"/>
+              <a:rPr lang="ko-KR" altLang="en-US"/>
               <a:t>셋째 수준</a:t>
             </a:r>
           </a:p>
           <a:p>
             <a:pPr lvl="3"/>
             <a:r>
-              <a:rPr lang="ko-KR" altLang="en-US" smtClean="0"/>
+              <a:rPr lang="ko-KR" altLang="en-US"/>
               <a:t>넷째 수준</a:t>
             </a:r>
           </a:p>
           <a:p>
             <a:pPr lvl="4"/>
             <a:r>
-              <a:rPr lang="ko-KR" altLang="en-US" smtClean="0"/>
+              <a:rPr lang="ko-KR" altLang="en-US"/>
               <a:t>다섯째 수준</a:t>
             </a:r>
-            <a:endParaRPr lang="ko-KR" altLang="en-US"/>
           </a:p>
         </p:txBody>
       </p:sp>
@@ -2673,7 +2668,7 @@
           <a:p>
             <a:fld id="{FB30EDBD-1C2D-4C1E-B459-B60219FAB484}" type="datetimeFigureOut">
               <a:rPr lang="ko-KR" altLang="en-US" smtClean="0"/>
-              <a:t>2020-09-07</a:t>
+              <a:t>2020-11-09</a:t>
             </a:fld>
             <a:endParaRPr lang="ko-KR" altLang="en-US"/>
           </a:p>
@@ -3069,7 +3064,7 @@
           <a:lstStyle/>
           <a:p>
             <a:r>
-              <a:rPr lang="en-US" altLang="ko-KR" sz="2800" dirty="0" smtClean="0">
+              <a:rPr lang="en-US" altLang="ko-KR" sz="2800" dirty="0">
                 <a:solidFill>
                   <a:schemeClr val="accent5"/>
                 </a:solidFill>
@@ -3079,7 +3074,7 @@
               <a:t>Web Programming</a:t>
             </a:r>
             <a:br>
-              <a:rPr lang="en-US" altLang="ko-KR" sz="2800" dirty="0" smtClean="0">
+              <a:rPr lang="en-US" altLang="ko-KR" sz="2800" dirty="0">
                 <a:solidFill>
                   <a:schemeClr val="accent5"/>
                 </a:solidFill>
@@ -3087,85 +3082,61 @@
                 <a:ea typeface="배달의민족 주아" pitchFamily="18" charset="-127"/>
               </a:rPr>
             </a:br>
-            <a:r>
-              <a:rPr lang="en-US" altLang="ko-KR" dirty="0" smtClean="0">
+            <a:br>
+              <a:rPr lang="en-US" altLang="ko-KR" dirty="0">
                 <a:latin typeface="배달의민족 주아" pitchFamily="18" charset="-127"/>
                 <a:ea typeface="배달의민족 주아" pitchFamily="18" charset="-127"/>
               </a:rPr>
-              <a:t/>
-            </a:r>
-            <a:br>
-              <a:rPr lang="en-US" altLang="ko-KR" dirty="0" smtClean="0">
+            </a:br>
+            <a:r>
+              <a:rPr lang="ko-KR" altLang="en-US" dirty="0">
+                <a:solidFill>
+                  <a:schemeClr val="bg1"/>
+                </a:solidFill>
                 <a:latin typeface="배달의민족 주아" pitchFamily="18" charset="-127"/>
                 <a:ea typeface="배달의민족 주아" pitchFamily="18" charset="-127"/>
               </a:rPr>
-            </a:br>
-            <a:r>
-              <a:rPr lang="ko-KR" altLang="en-US" dirty="0" smtClean="0">
+              <a:t>웹 프로그래밍 </a:t>
+            </a:r>
+            <a:r>
+              <a:rPr lang="en-US" altLang="ko-KR" dirty="0">
                 <a:solidFill>
                   <a:schemeClr val="bg1"/>
                 </a:solidFill>
                 <a:latin typeface="배달의민족 주아" pitchFamily="18" charset="-127"/>
                 <a:ea typeface="배달의민족 주아" pitchFamily="18" charset="-127"/>
               </a:rPr>
-              <a:t>웹 프로그래밍 </a:t>
-            </a:r>
-            <a:r>
-              <a:rPr lang="en-US" altLang="ko-KR" dirty="0" smtClean="0">
+              <a:t>2</a:t>
+            </a:r>
+            <a:r>
+              <a:rPr lang="ko-KR" altLang="en-US" dirty="0">
                 <a:solidFill>
                   <a:schemeClr val="bg1"/>
                 </a:solidFill>
                 <a:latin typeface="배달의민족 주아" pitchFamily="18" charset="-127"/>
                 <a:ea typeface="배달의민족 주아" pitchFamily="18" charset="-127"/>
               </a:rPr>
-              <a:t>2</a:t>
-            </a:r>
-            <a:r>
-              <a:rPr lang="ko-KR" altLang="en-US" dirty="0" smtClean="0">
+              <a:t>강</a:t>
+            </a:r>
+            <a:br>
+              <a:rPr lang="en-US" altLang="ko-KR" dirty="0">
                 <a:solidFill>
                   <a:schemeClr val="bg1"/>
                 </a:solidFill>
                 <a:latin typeface="배달의민족 주아" pitchFamily="18" charset="-127"/>
                 <a:ea typeface="배달의민족 주아" pitchFamily="18" charset="-127"/>
               </a:rPr>
-              <a:t>강</a:t>
-            </a:r>
-            <a:r>
-              <a:rPr lang="en-US" altLang="ko-KR" dirty="0" smtClean="0">
+            </a:br>
+            <a:r>
+              <a:rPr lang="ko-KR" altLang="en-US" dirty="0">
                 <a:solidFill>
                   <a:schemeClr val="bg1"/>
                 </a:solidFill>
                 <a:latin typeface="배달의민족 주아" pitchFamily="18" charset="-127"/>
                 <a:ea typeface="배달의민족 주아" pitchFamily="18" charset="-127"/>
               </a:rPr>
-              <a:t/>
-            </a:r>
-            <a:br>
-              <a:rPr lang="en-US" altLang="ko-KR" dirty="0" smtClean="0">
-                <a:solidFill>
-                  <a:schemeClr val="bg1"/>
-                </a:solidFill>
-                <a:latin typeface="배달의민족 주아" pitchFamily="18" charset="-127"/>
-                <a:ea typeface="배달의민족 주아" pitchFamily="18" charset="-127"/>
-              </a:rPr>
-            </a:br>
-            <a:r>
-              <a:rPr lang="ko-KR" altLang="en-US" dirty="0" smtClean="0">
-                <a:solidFill>
-                  <a:schemeClr val="bg1"/>
-                </a:solidFill>
-                <a:latin typeface="배달의민족 주아" pitchFamily="18" charset="-127"/>
-                <a:ea typeface="배달의민족 주아" pitchFamily="18" charset="-127"/>
-              </a:rPr>
               <a:t>프로그램 설치</a:t>
             </a:r>
-            <a:endParaRPr lang="ko-KR" altLang="en-US" dirty="0">
-              <a:solidFill>
-                <a:schemeClr val="bg1"/>
-              </a:solidFill>
-              <a:latin typeface="배달의민족 주아" pitchFamily="18" charset="-127"/>
-              <a:ea typeface="배달의민족 주아" pitchFamily="18" charset="-127"/>
-            </a:endParaRPr>
           </a:p>
         </p:txBody>
       </p:sp>
@@ -3192,7 +3163,7 @@
           <a:lstStyle/>
           <a:p>
             <a:r>
-              <a:rPr lang="en-US" altLang="ko-KR" dirty="0" smtClean="0">
+              <a:rPr lang="en-US" altLang="ko-KR" dirty="0">
                 <a:solidFill>
                   <a:schemeClr val="accent5"/>
                 </a:solidFill>
@@ -3202,7 +3173,7 @@
               <a:t>S</a:t>
             </a:r>
             <a:r>
-              <a:rPr lang="en-US" altLang="ko-KR" dirty="0" smtClean="0">
+              <a:rPr lang="en-US" altLang="ko-KR" dirty="0">
                 <a:solidFill>
                   <a:schemeClr val="bg1"/>
                 </a:solidFill>
@@ -3212,7 +3183,7 @@
               <a:t>TART</a:t>
             </a:r>
             <a:r>
-              <a:rPr lang="en-US" altLang="ko-KR" dirty="0" smtClean="0">
+              <a:rPr lang="en-US" altLang="ko-KR" dirty="0">
                 <a:solidFill>
                   <a:schemeClr val="accent5"/>
                 </a:solidFill>
@@ -3222,7 +3193,7 @@
               <a:t>C</a:t>
             </a:r>
             <a:r>
-              <a:rPr lang="en-US" altLang="ko-KR" dirty="0" smtClean="0">
+              <a:rPr lang="en-US" altLang="ko-KR" dirty="0">
                 <a:solidFill>
                   <a:schemeClr val="bg1"/>
                 </a:solidFill>
@@ -3251,13 +3222,6 @@
   <p:clrMapOvr>
     <a:masterClrMapping/>
   </p:clrMapOvr>
-  <p:timing>
-    <p:tnLst>
-      <p:par>
-        <p:cTn id="1" dur="indefinite" restart="never" nodeType="tmRoot"/>
-      </p:par>
-    </p:tnLst>
-  </p:timing>
 </p:sld>
 </file>
 
@@ -3301,7 +3265,7 @@
           <a:lstStyle/>
           <a:p>
             <a:r>
-              <a:rPr lang="en-US" altLang="ko-KR" dirty="0" smtClean="0">
+              <a:rPr lang="en-US" altLang="ko-KR" dirty="0">
                 <a:solidFill>
                   <a:schemeClr val="accent5"/>
                 </a:solidFill>
@@ -3311,14 +3275,14 @@
               <a:t>S</a:t>
             </a:r>
             <a:r>
-              <a:rPr lang="en-US" altLang="ko-KR" dirty="0" smtClean="0">
+              <a:rPr lang="en-US" altLang="ko-KR" dirty="0">
                 <a:latin typeface="배달의민족 도현" pitchFamily="50" charset="-127"/>
                 <a:ea typeface="배달의민족 도현" pitchFamily="50" charset="-127"/>
               </a:rPr>
               <a:t>TART</a:t>
             </a:r>
             <a:r>
-              <a:rPr lang="en-US" altLang="ko-KR" dirty="0" smtClean="0">
+              <a:rPr lang="en-US" altLang="ko-KR" dirty="0">
                 <a:solidFill>
                   <a:schemeClr val="accent5"/>
                 </a:solidFill>
@@ -3328,7 +3292,7 @@
               <a:t>C</a:t>
             </a:r>
             <a:r>
-              <a:rPr lang="en-US" altLang="ko-KR" dirty="0" smtClean="0">
+              <a:rPr lang="en-US" altLang="ko-KR" dirty="0">
                 <a:latin typeface="배달의민족 도현" pitchFamily="50" charset="-127"/>
                 <a:ea typeface="배달의민족 도현" pitchFamily="50" charset="-127"/>
               </a:rPr>
@@ -3468,6 +3432,98 @@
           </a:extLst>
         </p:spPr>
       </p:pic>
+      <p:sp>
+        <p:nvSpPr>
+          <p:cNvPr id="7" name="제목 1">
+            <a:extLst>
+              <a:ext uri="{FF2B5EF4-FFF2-40B4-BE49-F238E27FC236}">
+                <a16:creationId xmlns:a16="http://schemas.microsoft.com/office/drawing/2014/main" id="{4CA575A9-FCE5-453F-B3E2-EDCBE23DC1E8}"/>
+              </a:ext>
+            </a:extLst>
+          </p:cNvPr>
+          <p:cNvSpPr>
+            <a:spLocks noGrp="1"/>
+          </p:cNvSpPr>
+          <p:nvPr>
+            <p:ph type="ctrTitle"/>
+          </p:nvPr>
+        </p:nvSpPr>
+        <p:spPr>
+          <a:xfrm>
+            <a:off x="936712" y="4278163"/>
+            <a:ext cx="3886200" cy="1470025"/>
+          </a:xfrm>
+        </p:spPr>
+        <p:txBody>
+          <a:bodyPr>
+            <a:normAutofit/>
+          </a:bodyPr>
+          <a:lstStyle/>
+          <a:p>
+            <a:r>
+              <a:rPr lang="ko-KR" altLang="en-US" sz="2800" dirty="0">
+                <a:latin typeface="배달의민족 주아" pitchFamily="18" charset="-127"/>
+                <a:ea typeface="배달의민족 주아" pitchFamily="18" charset="-127"/>
+              </a:rPr>
+              <a:t>브라우저</a:t>
+            </a:r>
+          </a:p>
+        </p:txBody>
+      </p:sp>
+      <p:sp>
+        <p:nvSpPr>
+          <p:cNvPr id="8" name="제목 1">
+            <a:extLst>
+              <a:ext uri="{FF2B5EF4-FFF2-40B4-BE49-F238E27FC236}">
+                <a16:creationId xmlns:a16="http://schemas.microsoft.com/office/drawing/2014/main" id="{4FFFA654-9B99-4985-9C8E-7DAF4FD6E3C4}"/>
+              </a:ext>
+            </a:extLst>
+          </p:cNvPr>
+          <p:cNvSpPr txBox="1">
+            <a:spLocks/>
+          </p:cNvSpPr>
+          <p:nvPr/>
+        </p:nvSpPr>
+        <p:spPr>
+          <a:xfrm>
+            <a:off x="4321088" y="4278163"/>
+            <a:ext cx="3886200" cy="1470025"/>
+          </a:xfrm>
+          <a:prstGeom prst="rect">
+            <a:avLst/>
+          </a:prstGeom>
+        </p:spPr>
+        <p:txBody>
+          <a:bodyPr vert="horz" lIns="91440" tIns="45720" rIns="91440" bIns="45720" rtlCol="0" anchor="ctr">
+            <a:normAutofit/>
+          </a:bodyPr>
+          <a:lstStyle>
+            <a:lvl1pPr algn="ctr" defTabSz="914400" rtl="0" eaLnBrk="1" latinLnBrk="1" hangingPunct="1">
+              <a:spcBef>
+                <a:spcPct val="0"/>
+              </a:spcBef>
+              <a:buNone/>
+              <a:defRPr sz="4400" kern="1200">
+                <a:solidFill>
+                  <a:schemeClr val="tx1"/>
+                </a:solidFill>
+                <a:latin typeface="+mj-lt"/>
+                <a:ea typeface="+mj-ea"/>
+                <a:cs typeface="+mj-cs"/>
+              </a:defRPr>
+            </a:lvl1pPr>
+          </a:lstStyle>
+          <a:p>
+            <a:r>
+              <a:rPr lang="ko-KR" altLang="en-US" sz="2800" dirty="0">
+                <a:latin typeface="배달의민족 주아" pitchFamily="18" charset="-127"/>
+                <a:ea typeface="배달의민족 주아" pitchFamily="18" charset="-127"/>
+              </a:rPr>
+              <a:t>에디터</a:t>
+            </a:r>
+          </a:p>
+        </p:txBody>
+      </p:sp>
     </p:spTree>
     <p:extLst>
       <p:ext uri="{BB962C8B-B14F-4D97-AF65-F5344CB8AC3E}">
@@ -3711,14 +3767,14 @@
           <a:lstStyle/>
           <a:p>
             <a:r>
-              <a:rPr lang="ko-KR" altLang="en-US" dirty="0" smtClean="0">
+              <a:rPr lang="ko-KR" altLang="en-US" dirty="0">
                 <a:latin typeface="배달의민족 주아" pitchFamily="18" charset="-127"/>
                 <a:ea typeface="배달의민족 주아" pitchFamily="18" charset="-127"/>
               </a:rPr>
               <a:t>선택한 이유</a:t>
             </a:r>
             <a:r>
-              <a:rPr lang="en-US" altLang="ko-KR" dirty="0" smtClean="0">
+              <a:rPr lang="en-US" altLang="ko-KR" dirty="0">
                 <a:latin typeface="배달의민족 주아" pitchFamily="18" charset="-127"/>
                 <a:ea typeface="배달의민족 주아" pitchFamily="18" charset="-127"/>
               </a:rPr>
@@ -3754,7 +3810,7 @@
           <a:lstStyle/>
           <a:p>
             <a:r>
-              <a:rPr lang="en-US" altLang="ko-KR" dirty="0" smtClean="0">
+              <a:rPr lang="en-US" altLang="ko-KR" dirty="0">
                 <a:solidFill>
                   <a:schemeClr val="accent5"/>
                 </a:solidFill>
@@ -3764,14 +3820,14 @@
               <a:t>S</a:t>
             </a:r>
             <a:r>
-              <a:rPr lang="en-US" altLang="ko-KR" dirty="0" smtClean="0">
+              <a:rPr lang="en-US" altLang="ko-KR" dirty="0">
                 <a:latin typeface="배달의민족 도현" pitchFamily="50" charset="-127"/>
                 <a:ea typeface="배달의민족 도현" pitchFamily="50" charset="-127"/>
               </a:rPr>
               <a:t>TART</a:t>
             </a:r>
             <a:r>
-              <a:rPr lang="en-US" altLang="ko-KR" dirty="0" smtClean="0">
+              <a:rPr lang="en-US" altLang="ko-KR" dirty="0">
                 <a:solidFill>
                   <a:schemeClr val="accent5"/>
                 </a:solidFill>
@@ -3781,7 +3837,7 @@
               <a:t>C</a:t>
             </a:r>
             <a:r>
-              <a:rPr lang="en-US" altLang="ko-KR" dirty="0" smtClean="0">
+              <a:rPr lang="en-US" altLang="ko-KR" dirty="0">
                 <a:latin typeface="배달의민족 도현" pitchFamily="50" charset="-127"/>
                 <a:ea typeface="배달의민족 도현" pitchFamily="50" charset="-127"/>
               </a:rPr>
@@ -3804,13 +3860,6 @@
   <p:clrMapOvr>
     <a:masterClrMapping/>
   </p:clrMapOvr>
-  <p:timing>
-    <p:tnLst>
-      <p:par>
-        <p:cTn id="1" dur="indefinite" restart="never" nodeType="tmRoot"/>
-      </p:par>
-    </p:tnLst>
-  </p:timing>
 </p:sld>
 </file>
 
@@ -3854,7 +3903,7 @@
           <a:lstStyle/>
           <a:p>
             <a:r>
-              <a:rPr lang="en-US" altLang="ko-KR" dirty="0" smtClean="0">
+              <a:rPr lang="en-US" altLang="ko-KR" dirty="0">
                 <a:solidFill>
                   <a:schemeClr val="accent5"/>
                 </a:solidFill>
@@ -3864,14 +3913,14 @@
               <a:t>S</a:t>
             </a:r>
             <a:r>
-              <a:rPr lang="en-US" altLang="ko-KR" dirty="0" smtClean="0">
+              <a:rPr lang="en-US" altLang="ko-KR" dirty="0">
                 <a:latin typeface="배달의민족 도현" pitchFamily="50" charset="-127"/>
                 <a:ea typeface="배달의민족 도현" pitchFamily="50" charset="-127"/>
               </a:rPr>
               <a:t>TART</a:t>
             </a:r>
             <a:r>
-              <a:rPr lang="en-US" altLang="ko-KR" dirty="0" smtClean="0">
+              <a:rPr lang="en-US" altLang="ko-KR" dirty="0">
                 <a:solidFill>
                   <a:schemeClr val="accent5"/>
                 </a:solidFill>
@@ -3881,7 +3930,7 @@
               <a:t>C</a:t>
             </a:r>
             <a:r>
-              <a:rPr lang="en-US" altLang="ko-KR" dirty="0" smtClean="0">
+              <a:rPr lang="en-US" altLang="ko-KR" dirty="0">
                 <a:latin typeface="배달의민족 도현" pitchFamily="50" charset="-127"/>
                 <a:ea typeface="배달의민족 도현" pitchFamily="50" charset="-127"/>
               </a:rPr>
@@ -3923,11 +3972,16 @@
           <a:prstGeom prst="rect">
             <a:avLst/>
           </a:prstGeom>
-          <a:noFill/>
           <a:ln>
             <a:noFill/>
           </a:ln>
-          <a:effectLst/>
+          <a:effectLst>
+            <a:outerShdw blurRad="190500" algn="tl" rotWithShape="0">
+              <a:srgbClr val="000000">
+                <a:alpha val="70000"/>
+              </a:srgbClr>
+            </a:outerShdw>
+          </a:effectLst>
           <a:extLst>
             <a:ext uri="{909E8E84-426E-40DD-AFC4-6F175D3DCCD1}">
               <a14:hiddenFill xmlns:a14="http://schemas.microsoft.com/office/drawing/2010/main">
@@ -4094,7 +4148,7 @@
           <a:lstStyle/>
           <a:p>
             <a:r>
-              <a:rPr lang="en-US" altLang="ko-KR" dirty="0" smtClean="0">
+              <a:rPr lang="en-US" altLang="ko-KR" dirty="0">
                 <a:solidFill>
                   <a:schemeClr val="accent5"/>
                 </a:solidFill>
@@ -4104,14 +4158,14 @@
               <a:t>S</a:t>
             </a:r>
             <a:r>
-              <a:rPr lang="en-US" altLang="ko-KR" dirty="0" smtClean="0">
+              <a:rPr lang="en-US" altLang="ko-KR" dirty="0">
                 <a:latin typeface="배달의민족 도현" pitchFamily="50" charset="-127"/>
                 <a:ea typeface="배달의민족 도현" pitchFamily="50" charset="-127"/>
               </a:rPr>
               <a:t>TART</a:t>
             </a:r>
             <a:r>
-              <a:rPr lang="en-US" altLang="ko-KR" dirty="0" smtClean="0">
+              <a:rPr lang="en-US" altLang="ko-KR" dirty="0">
                 <a:solidFill>
                   <a:schemeClr val="accent5"/>
                 </a:solidFill>
@@ -4121,7 +4175,7 @@
               <a:t>C</a:t>
             </a:r>
             <a:r>
-              <a:rPr lang="en-US" altLang="ko-KR" dirty="0" smtClean="0">
+              <a:rPr lang="en-US" altLang="ko-KR" dirty="0">
                 <a:latin typeface="배달의민족 도현" pitchFamily="50" charset="-127"/>
                 <a:ea typeface="배달의민족 도현" pitchFamily="50" charset="-127"/>
               </a:rPr>
@@ -4163,11 +4217,16 @@
           <a:prstGeom prst="rect">
             <a:avLst/>
           </a:prstGeom>
-          <a:noFill/>
           <a:ln>
             <a:noFill/>
           </a:ln>
-          <a:effectLst/>
+          <a:effectLst>
+            <a:outerShdw blurRad="190500" algn="tl" rotWithShape="0">
+              <a:srgbClr val="000000">
+                <a:alpha val="70000"/>
+              </a:srgbClr>
+            </a:outerShdw>
+          </a:effectLst>
           <a:extLst>
             <a:ext uri="{909E8E84-426E-40DD-AFC4-6F175D3DCCD1}">
               <a14:hiddenFill xmlns:a14="http://schemas.microsoft.com/office/drawing/2010/main">
@@ -4327,23 +4386,12 @@
           <a:lstStyle/>
           <a:p>
             <a:r>
-              <a:rPr lang="ko-KR" altLang="en-US" dirty="0" smtClean="0">
-                <a:latin typeface="배달의민족 주아" pitchFamily="18" charset="-127"/>
-                <a:ea typeface="배달의민족 주아" pitchFamily="18" charset="-127"/>
-              </a:rPr>
-              <a:t>에디터를 쓰는 이유</a:t>
-            </a:r>
-            <a:r>
-              <a:rPr lang="en-US" altLang="ko-KR" dirty="0" smtClean="0">
-                <a:latin typeface="배달의민족 주아" pitchFamily="18" charset="-127"/>
-                <a:ea typeface="배달의민족 주아" pitchFamily="18" charset="-127"/>
-              </a:rPr>
-              <a:t>?</a:t>
-            </a:r>
-            <a:endParaRPr lang="ko-KR" altLang="en-US" dirty="0">
-              <a:latin typeface="배달의민족 주아" pitchFamily="18" charset="-127"/>
-              <a:ea typeface="배달의민족 주아" pitchFamily="18" charset="-127"/>
-            </a:endParaRPr>
+              <a:rPr lang="ko-KR" altLang="en-US" i="1" dirty="0">
+                <a:latin typeface="바탕체" panose="02030609000101010101" pitchFamily="17" charset="-127"/>
+                <a:ea typeface="바탕체" panose="02030609000101010101" pitchFamily="17" charset="-127"/>
+              </a:rPr>
+              <a:t>같이 설치해 봐요</a:t>
+            </a:r>
           </a:p>
         </p:txBody>
       </p:sp>
@@ -4370,7 +4418,7 @@
           <a:lstStyle/>
           <a:p>
             <a:r>
-              <a:rPr lang="en-US" altLang="ko-KR" dirty="0" smtClean="0">
+              <a:rPr lang="en-US" altLang="ko-KR" dirty="0">
                 <a:solidFill>
                   <a:schemeClr val="accent5"/>
                 </a:solidFill>
@@ -4380,14 +4428,14 @@
               <a:t>S</a:t>
             </a:r>
             <a:r>
-              <a:rPr lang="en-US" altLang="ko-KR" dirty="0" smtClean="0">
+              <a:rPr lang="en-US" altLang="ko-KR" dirty="0">
                 <a:latin typeface="배달의민족 도현" pitchFamily="50" charset="-127"/>
                 <a:ea typeface="배달의민족 도현" pitchFamily="50" charset="-127"/>
               </a:rPr>
               <a:t>TART</a:t>
             </a:r>
             <a:r>
-              <a:rPr lang="en-US" altLang="ko-KR" dirty="0" smtClean="0">
+              <a:rPr lang="en-US" altLang="ko-KR" dirty="0">
                 <a:solidFill>
                   <a:schemeClr val="accent5"/>
                 </a:solidFill>
@@ -4397,7 +4445,7 @@
               <a:t>C</a:t>
             </a:r>
             <a:r>
-              <a:rPr lang="en-US" altLang="ko-KR" dirty="0" smtClean="0">
+              <a:rPr lang="en-US" altLang="ko-KR" dirty="0">
                 <a:latin typeface="배달의민족 도현" pitchFamily="50" charset="-127"/>
                 <a:ea typeface="배달의민족 도현" pitchFamily="50" charset="-127"/>
               </a:rPr>
@@ -4420,13 +4468,6 @@
   <p:clrMapOvr>
     <a:masterClrMapping/>
   </p:clrMapOvr>
-  <p:timing>
-    <p:tnLst>
-      <p:par>
-        <p:cTn id="1" dur="indefinite" restart="never" nodeType="tmRoot"/>
-      </p:par>
-    </p:tnLst>
-  </p:timing>
 </p:sld>
 </file>
 
@@ -4470,7 +4511,7 @@
           <a:lstStyle/>
           <a:p>
             <a:r>
-              <a:rPr lang="en-US" altLang="ko-KR" dirty="0" smtClean="0">
+              <a:rPr lang="en-US" altLang="ko-KR" dirty="0">
                 <a:solidFill>
                   <a:schemeClr val="accent5"/>
                 </a:solidFill>
@@ -4480,14 +4521,14 @@
               <a:t>S</a:t>
             </a:r>
             <a:r>
-              <a:rPr lang="en-US" altLang="ko-KR" dirty="0" smtClean="0">
+              <a:rPr lang="en-US" altLang="ko-KR" dirty="0">
                 <a:latin typeface="배달의민족 도현" pitchFamily="50" charset="-127"/>
                 <a:ea typeface="배달의민족 도현" pitchFamily="50" charset="-127"/>
               </a:rPr>
               <a:t>TART</a:t>
             </a:r>
             <a:r>
-              <a:rPr lang="en-US" altLang="ko-KR" dirty="0" smtClean="0">
+              <a:rPr lang="en-US" altLang="ko-KR" dirty="0">
                 <a:solidFill>
                   <a:schemeClr val="accent5"/>
                 </a:solidFill>
@@ -4497,7 +4538,7 @@
               <a:t>C</a:t>
             </a:r>
             <a:r>
-              <a:rPr lang="en-US" altLang="ko-KR" dirty="0" smtClean="0">
+              <a:rPr lang="en-US" altLang="ko-KR" dirty="0">
                 <a:latin typeface="배달의민족 도현" pitchFamily="50" charset="-127"/>
                 <a:ea typeface="배달의민족 도현" pitchFamily="50" charset="-127"/>
               </a:rPr>
@@ -4572,23 +4613,19 @@
           <a:lstStyle/>
           <a:p>
             <a:r>
-              <a:rPr lang="en-US" altLang="ko-KR" dirty="0" smtClean="0">
+              <a:rPr lang="en-US" altLang="ko-KR" dirty="0">
                 <a:latin typeface="배달의민족 주아" pitchFamily="18" charset="-127"/>
                 <a:ea typeface="배달의민족 주아" pitchFamily="18" charset="-127"/>
               </a:rPr>
               <a:t>VS code </a:t>
             </a:r>
             <a:r>
-              <a:rPr lang="ko-KR" altLang="en-US" dirty="0" smtClean="0">
+              <a:rPr lang="ko-KR" altLang="en-US" dirty="0">
                 <a:latin typeface="배달의민족 주아" pitchFamily="18" charset="-127"/>
                 <a:ea typeface="배달의민족 주아" pitchFamily="18" charset="-127"/>
               </a:rPr>
               <a:t>사용법</a:t>
             </a:r>
-            <a:endParaRPr lang="ko-KR" altLang="en-US" dirty="0">
-              <a:latin typeface="배달의민족 주아" pitchFamily="18" charset="-127"/>
-              <a:ea typeface="배달의민족 주아" pitchFamily="18" charset="-127"/>
-            </a:endParaRPr>
           </a:p>
         </p:txBody>
       </p:sp>
@@ -4602,13 +4639,6 @@
   <p:clrMapOvr>
     <a:masterClrMapping/>
   </p:clrMapOvr>
-  <p:timing>
-    <p:tnLst>
-      <p:par>
-        <p:cTn id="1" dur="indefinite" restart="never" nodeType="tmRoot"/>
-      </p:par>
-    </p:tnLst>
-  </p:timing>
 </p:sld>
 </file>
 
@@ -4652,7 +4682,7 @@
           <a:lstStyle/>
           <a:p>
             <a:r>
-              <a:rPr lang="en-US" altLang="ko-KR" dirty="0" smtClean="0">
+              <a:rPr lang="en-US" altLang="ko-KR" dirty="0">
                 <a:solidFill>
                   <a:schemeClr val="accent5"/>
                 </a:solidFill>
@@ -4662,14 +4692,14 @@
               <a:t>S</a:t>
             </a:r>
             <a:r>
-              <a:rPr lang="en-US" altLang="ko-KR" dirty="0" smtClean="0">
+              <a:rPr lang="en-US" altLang="ko-KR" dirty="0">
                 <a:latin typeface="배달의민족 도현" pitchFamily="50" charset="-127"/>
                 <a:ea typeface="배달의민족 도현" pitchFamily="50" charset="-127"/>
               </a:rPr>
               <a:t>TART</a:t>
             </a:r>
             <a:r>
-              <a:rPr lang="en-US" altLang="ko-KR" dirty="0" smtClean="0">
+              <a:rPr lang="en-US" altLang="ko-KR" dirty="0">
                 <a:solidFill>
                   <a:schemeClr val="accent5"/>
                 </a:solidFill>
@@ -4679,7 +4709,7 @@
               <a:t>C</a:t>
             </a:r>
             <a:r>
-              <a:rPr lang="en-US" altLang="ko-KR" dirty="0" smtClean="0">
+              <a:rPr lang="en-US" altLang="ko-KR" dirty="0">
                 <a:latin typeface="배달의민족 도현" pitchFamily="50" charset="-127"/>
                 <a:ea typeface="배달의민족 도현" pitchFamily="50" charset="-127"/>
               </a:rPr>
@@ -4713,7 +4743,7 @@
           <a:lstStyle/>
           <a:p>
             <a:r>
-              <a:rPr lang="ko-KR" altLang="en-US" smtClean="0">
+              <a:rPr lang="ko-KR" altLang="en-US">
                 <a:latin typeface="배달의민족 주아" pitchFamily="18" charset="-127"/>
                 <a:ea typeface="배달의민족 주아" pitchFamily="18" charset="-127"/>
               </a:rPr>
@@ -4736,13 +4766,6 @@
   <p:clrMapOvr>
     <a:masterClrMapping/>
   </p:clrMapOvr>
-  <p:timing>
-    <p:tnLst>
-      <p:par>
-        <p:cTn id="1" dur="indefinite" restart="never" nodeType="tmRoot"/>
-      </p:par>
-    </p:tnLst>
-  </p:timing>
 </p:sld>
 </file>
 
@@ -4802,16 +4825,12 @@
           </a:lstStyle>
           <a:p>
             <a:r>
-              <a:rPr lang="ko-KR" altLang="en-US" dirty="0" smtClean="0">
+              <a:rPr lang="ko-KR" altLang="en-US" dirty="0">
                 <a:latin typeface="배달의민족 주아" pitchFamily="18" charset="-127"/>
                 <a:ea typeface="배달의민족 주아" pitchFamily="18" charset="-127"/>
               </a:rPr>
               <a:t>감사합니다</a:t>
             </a:r>
-            <a:endParaRPr lang="ko-KR" altLang="en-US" dirty="0">
-              <a:latin typeface="배달의민족 주아" pitchFamily="18" charset="-127"/>
-              <a:ea typeface="배달의민족 주아" pitchFamily="18" charset="-127"/>
-            </a:endParaRPr>
           </a:p>
         </p:txBody>
       </p:sp>
@@ -4838,7 +4857,7 @@
           <a:lstStyle/>
           <a:p>
             <a:r>
-              <a:rPr lang="en-US" altLang="ko-KR" dirty="0" smtClean="0">
+              <a:rPr lang="en-US" altLang="ko-KR" dirty="0">
                 <a:solidFill>
                   <a:schemeClr val="accent5"/>
                 </a:solidFill>
@@ -4848,14 +4867,14 @@
               <a:t>S</a:t>
             </a:r>
             <a:r>
-              <a:rPr lang="en-US" altLang="ko-KR" dirty="0" smtClean="0">
+              <a:rPr lang="en-US" altLang="ko-KR" dirty="0">
                 <a:latin typeface="배달의민족 도현" pitchFamily="50" charset="-127"/>
                 <a:ea typeface="배달의민족 도현" pitchFamily="50" charset="-127"/>
               </a:rPr>
               <a:t>TART</a:t>
             </a:r>
             <a:r>
-              <a:rPr lang="en-US" altLang="ko-KR" dirty="0" smtClean="0">
+              <a:rPr lang="en-US" altLang="ko-KR" dirty="0">
                 <a:solidFill>
                   <a:schemeClr val="accent5"/>
                 </a:solidFill>
@@ -4865,7 +4884,7 @@
               <a:t>C</a:t>
             </a:r>
             <a:r>
-              <a:rPr lang="en-US" altLang="ko-KR" dirty="0" smtClean="0">
+              <a:rPr lang="en-US" altLang="ko-KR" dirty="0">
                 <a:latin typeface="배달의민족 도현" pitchFamily="50" charset="-127"/>
                 <a:ea typeface="배달의민족 도현" pitchFamily="50" charset="-127"/>
               </a:rPr>
@@ -4888,13 +4907,6 @@
   <p:clrMapOvr>
     <a:masterClrMapping/>
   </p:clrMapOvr>
-  <p:timing>
-    <p:tnLst>
-      <p:par>
-        <p:cTn id="1" dur="indefinite" restart="never" nodeType="tmRoot"/>
-      </p:par>
-    </p:tnLst>
-  </p:timing>
 </p:sld>
 </file>
 
